--- a/docs/tutorial/tutorial_intro.pptx
+++ b/docs/tutorial/tutorial_intro.pptx
@@ -1928,7 +1928,7 @@
             <a:fld id="{E30E2307-1E40-4E12-8716-25BFDA8E7013}" type="datetime1">
               <a:rPr lang="en-US" smtClean="0"/>
               <a:pPr/>
-              <a:t>11/10/11</a:t>
+              <a:t>11/15/11</a:t>
             </a:fld>
             <a:endParaRPr lang="en-US"/>
           </a:p>
@@ -2111,7 +2111,7 @@
             <a:fld id="{E5CFCF5A-EA79-452C-A52C-1A2668C2E7DF}" type="datetime1">
               <a:rPr lang="en-US" smtClean="0"/>
               <a:pPr/>
-              <a:t>11/10/11</a:t>
+              <a:t>11/15/11</a:t>
             </a:fld>
             <a:endParaRPr lang="en-US"/>
           </a:p>
@@ -2264,7 +2264,7 @@
             <a:fld id="{2E5C4C28-BD4B-4892-9A2D-6E19BD753A9A}" type="datetime1">
               <a:rPr lang="en-US" smtClean="0"/>
               <a:pPr/>
-              <a:t>11/10/11</a:t>
+              <a:t>11/15/11</a:t>
             </a:fld>
             <a:endParaRPr lang="en-US"/>
           </a:p>
@@ -4092,7 +4092,7 @@
             <a:fld id="{61FD9D02-426E-46C9-9EE9-0DE1EF8B2838}" type="datetime1">
               <a:rPr lang="en-US" smtClean="0"/>
               <a:pPr/>
-              <a:t>11/10/11</a:t>
+              <a:t>11/15/11</a:t>
             </a:fld>
             <a:endParaRPr lang="en-US"/>
           </a:p>
@@ -5964,7 +5964,7 @@
             <a:fld id="{7B8AEBBE-F8B2-42CF-9895-E86A608384EB}" type="datetime1">
               <a:rPr lang="en-US" smtClean="0"/>
               <a:pPr/>
-              <a:t>11/10/11</a:t>
+              <a:t>11/15/11</a:t>
             </a:fld>
             <a:endParaRPr lang="en-US"/>
           </a:p>
@@ -6079,7 +6079,7 @@
             <a:fld id="{E1FAA6B6-10E5-4810-BC9F-DA72D8452E73}" type="datetime1">
               <a:rPr lang="en-US" smtClean="0"/>
               <a:pPr/>
-              <a:t>11/10/11</a:t>
+              <a:t>11/15/11</a:t>
             </a:fld>
             <a:endParaRPr lang="en-US"/>
           </a:p>
@@ -6622,7 +6622,7 @@
             <a:fld id="{6D18D072-EF12-4AA2-BD71-ABC68B06D0E2}" type="datetime1">
               <a:rPr lang="en-US" smtClean="0"/>
               <a:pPr/>
-              <a:t>11/10/11</a:t>
+              <a:t>11/15/11</a:t>
             </a:fld>
             <a:endParaRPr lang="en-US"/>
           </a:p>
@@ -6737,7 +6737,7 @@
             <a:fld id="{B8CDBF60-6CC3-4B74-A60D-3486985E4346}" type="datetime1">
               <a:rPr lang="en-US" smtClean="0"/>
               <a:pPr/>
-              <a:t>11/10/11</a:t>
+              <a:t>11/15/11</a:t>
             </a:fld>
             <a:endParaRPr lang="en-US"/>
           </a:p>
@@ -8450,7 +8450,7 @@
             <a:fld id="{22714818-984F-4759-BF72-A33BDC1963BD}" type="datetime1">
               <a:rPr lang="en-US" smtClean="0"/>
               <a:pPr/>
-              <a:t>11/10/11</a:t>
+              <a:t>11/15/11</a:t>
             </a:fld>
             <a:endParaRPr lang="en-US"/>
           </a:p>
@@ -8863,7 +8863,7 @@
             <a:fld id="{9EA7E191-5F94-4FC1-B823-BD7CABF7FA06}" type="datetime1">
               <a:rPr lang="en-US" smtClean="0"/>
               <a:pPr/>
-              <a:t>11/10/11</a:t>
+              <a:t>11/15/11</a:t>
             </a:fld>
             <a:endParaRPr lang="en-US"/>
           </a:p>
@@ -12480,7 +12480,7 @@
             <a:fld id="{88856D55-EFBE-4F9B-8A5F-09D42CA22A9B}" type="datetime1">
               <a:rPr lang="en-US" smtClean="0"/>
               <a:pPr/>
-              <a:t>11/10/11</a:t>
+              <a:t>11/15/11</a:t>
             </a:fld>
             <a:endParaRPr lang="en-US"/>
           </a:p>
@@ -14341,7 +14341,7 @@
             <a:fld id="{9D1D110F-3F4E-48D9-B8AA-5D0E825AFDBA}" type="datetime1">
               <a:rPr lang="en-US" smtClean="0"/>
               <a:pPr/>
-              <a:t>11/10/11</a:t>
+              <a:t>11/15/11</a:t>
             </a:fld>
             <a:endParaRPr lang="en-US"/>
           </a:p>
@@ -15762,7 +15762,7 @@
         </p:nvSpPr>
         <p:spPr>
           <a:xfrm>
-            <a:off x="1855243" y="3379191"/>
+            <a:off x="1855243" y="3504527"/>
             <a:ext cx="5347158" cy="646331"/>
           </a:xfrm>
           <a:prstGeom prst="rect">
@@ -15791,11 +15791,7 @@
             <a:pPr algn="ctr"/>
             <a:r>
               <a:rPr lang="en-US" dirty="0" smtClean="0"/>
-              <a:t>(</a:t>
-            </a:r>
-            <a:r>
-              <a:rPr lang="en-US" dirty="0" smtClean="0"/>
-              <a:t>ex. data harvesting, automated analysis)</a:t>
+              <a:t>(ex. data harvesting, automated analysis)</a:t>
             </a:r>
             <a:endParaRPr lang="en-US" dirty="0"/>
           </a:p>
@@ -15936,7 +15932,7 @@
                                           </p:stCondLst>
                                         </p:cTn>
                                         <p:tgtEl>
-                                          <p:spTgt spid="6"/>
+                                          <p:spTgt spid="7"/>
                                         </p:tgtEl>
                                         <p:attrNameLst>
                                           <p:attrName>style.visibility</p:attrName>
@@ -15950,7 +15946,7 @@
                                       <p:cBhvr additive="base">
                                         <p:cTn id="13" dur="500" fill="hold"/>
                                         <p:tgtEl>
-                                          <p:spTgt spid="6"/>
+                                          <p:spTgt spid="7"/>
                                         </p:tgtEl>
                                         <p:attrNameLst>
                                           <p:attrName>ppt_x</p:attrName>
@@ -15973,7 +15969,7 @@
                                       <p:cBhvr additive="base">
                                         <p:cTn id="14" dur="500" fill="hold"/>
                                         <p:tgtEl>
-                                          <p:spTgt spid="6"/>
+                                          <p:spTgt spid="7"/>
                                         </p:tgtEl>
                                         <p:attrNameLst>
                                           <p:attrName>ppt_y</p:attrName>
@@ -16027,7 +16023,7 @@
                                           </p:stCondLst>
                                         </p:cTn>
                                         <p:tgtEl>
-                                          <p:spTgt spid="7"/>
+                                          <p:spTgt spid="6"/>
                                         </p:tgtEl>
                                         <p:attrNameLst>
                                           <p:attrName>style.visibility</p:attrName>
@@ -16041,7 +16037,7 @@
                                       <p:cBhvr additive="base">
                                         <p:cTn id="19" dur="500" fill="hold"/>
                                         <p:tgtEl>
-                                          <p:spTgt spid="7"/>
+                                          <p:spTgt spid="6"/>
                                         </p:tgtEl>
                                         <p:attrNameLst>
                                           <p:attrName>ppt_x</p:attrName>
@@ -16064,7 +16060,7 @@
                                       <p:cBhvr additive="base">
                                         <p:cTn id="20" dur="500" fill="hold"/>
                                         <p:tgtEl>
-                                          <p:spTgt spid="7"/>
+                                          <p:spTgt spid="6"/>
                                         </p:tgtEl>
                                         <p:attrNameLst>
                                           <p:attrName>ppt_y</p:attrName>
@@ -16598,13 +16594,8 @@
           <a:p>
             <a:r>
               <a:rPr lang="en-US" dirty="0" smtClean="0"/>
-              <a:t>Python is a cross-platform programming </a:t>
-            </a:r>
-            <a:r>
-              <a:rPr lang="en-US" dirty="0" smtClean="0"/>
-              <a:t>language that has many scientific modules</a:t>
-            </a:r>
-            <a:endParaRPr lang="en-US" dirty="0" smtClean="0"/>
+              <a:t>Python is a cross-platform programming language that has many scientific modules</a:t>
+            </a:r>
           </a:p>
           <a:p>
             <a:endParaRPr lang="en-US" dirty="0" smtClean="0"/>
@@ -16616,15 +16607,7 @@
             </a:r>
             <a:r>
               <a:rPr lang="en-US" dirty="0" smtClean="0"/>
-              <a:t> </a:t>
-            </a:r>
-            <a:r>
-              <a:rPr lang="en-US" dirty="0" smtClean="0"/>
-              <a:t>uses Python to implement </a:t>
-            </a:r>
-            <a:r>
-              <a:rPr lang="en-US" dirty="0" smtClean="0"/>
-              <a:t>a </a:t>
+              <a:t> uses Python to implement a </a:t>
             </a:r>
             <a:r>
               <a:rPr lang="en-US" i="1" dirty="0" smtClean="0">
@@ -16867,120 +16850,7 @@
   <p:timing>
     <p:tnLst>
       <p:par>
-        <p:cTn xmlns:p14="http://schemas.microsoft.com/office/powerpoint/2010/main" id="1" dur="indefinite" restart="never" nodeType="tmRoot">
-          <p:childTnLst>
-            <p:seq concurrent="1" nextAc="seek">
-              <p:cTn id="2" dur="indefinite" nodeType="mainSeq">
-                <p:childTnLst>
-                  <p:par>
-                    <p:cTn id="3" fill="hold">
-                      <p:stCondLst>
-                        <p:cond delay="indefinite"/>
-                      </p:stCondLst>
-                      <p:childTnLst>
-                        <p:par>
-                          <p:cTn id="4" fill="hold">
-                            <p:stCondLst>
-                              <p:cond delay="0"/>
-                            </p:stCondLst>
-                            <p:childTnLst>
-                              <p:par>
-                                <p:cTn id="5" presetID="1" presetClass="entr" presetSubtype="0" fill="hold" nodeType="clickEffect">
-                                  <p:stCondLst>
-                                    <p:cond delay="0"/>
-                                  </p:stCondLst>
-                                  <p:childTnLst>
-                                    <p:set>
-                                      <p:cBhvr>
-                                        <p:cTn id="6" dur="1" fill="hold">
-                                          <p:stCondLst>
-                                            <p:cond delay="0"/>
-                                          </p:stCondLst>
-                                        </p:cTn>
-                                        <p:tgtEl>
-                                          <p:spTgt spid="12"/>
-                                        </p:tgtEl>
-                                        <p:attrNameLst>
-                                          <p:attrName>style.visibility</p:attrName>
-                                        </p:attrNameLst>
-                                      </p:cBhvr>
-                                      <p:to>
-                                        <p:strVal val="visible"/>
-                                      </p:to>
-                                    </p:set>
-                                  </p:childTnLst>
-                                </p:cTn>
-                              </p:par>
-                            </p:childTnLst>
-                          </p:cTn>
-                        </p:par>
-                      </p:childTnLst>
-                    </p:cTn>
-                  </p:par>
-                  <p:par>
-                    <p:cTn id="7" fill="hold">
-                      <p:stCondLst>
-                        <p:cond delay="indefinite"/>
-                      </p:stCondLst>
-                      <p:childTnLst>
-                        <p:par>
-                          <p:cTn id="8" fill="hold">
-                            <p:stCondLst>
-                              <p:cond delay="0"/>
-                            </p:stCondLst>
-                            <p:childTnLst>
-                              <p:par>
-                                <p:cTn id="9" presetID="1" presetClass="entr" presetSubtype="0" fill="hold" nodeType="clickEffect">
-                                  <p:stCondLst>
-                                    <p:cond delay="0"/>
-                                  </p:stCondLst>
-                                  <p:childTnLst>
-                                    <p:set>
-                                      <p:cBhvr>
-                                        <p:cTn id="10" dur="1" fill="hold">
-                                          <p:stCondLst>
-                                            <p:cond delay="0"/>
-                                          </p:stCondLst>
-                                        </p:cTn>
-                                        <p:tgtEl>
-                                          <p:spTgt spid="14"/>
-                                        </p:tgtEl>
-                                        <p:attrNameLst>
-                                          <p:attrName>style.visibility</p:attrName>
-                                        </p:attrNameLst>
-                                      </p:cBhvr>
-                                      <p:to>
-                                        <p:strVal val="visible"/>
-                                      </p:to>
-                                    </p:set>
-                                  </p:childTnLst>
-                                </p:cTn>
-                              </p:par>
-                            </p:childTnLst>
-                          </p:cTn>
-                        </p:par>
-                      </p:childTnLst>
-                    </p:cTn>
-                  </p:par>
-                </p:childTnLst>
-              </p:cTn>
-              <p:prevCondLst>
-                <p:cond evt="onPrev" delay="0">
-                  <p:tgtEl>
-                    <p:sldTgt/>
-                  </p:tgtEl>
-                </p:cond>
-              </p:prevCondLst>
-              <p:nextCondLst>
-                <p:cond evt="onNext" delay="0">
-                  <p:tgtEl>
-                    <p:sldTgt/>
-                  </p:tgtEl>
-                </p:cond>
-              </p:nextCondLst>
-            </p:seq>
-          </p:childTnLst>
-        </p:cTn>
+        <p:cTn xmlns:p14="http://schemas.microsoft.com/office/powerpoint/2010/main" id="1" dur="indefinite" restart="never" nodeType="tmRoot"/>
       </p:par>
     </p:tnLst>
   </p:timing>
@@ -17261,6 +17131,61 @@
           <a:chExt cx="0" cy="0"/>
         </a:xfrm>
       </p:grpSpPr>
+      <p:pic>
+        <p:nvPicPr>
+          <p:cNvPr id="5" name="Picture 2" descr="C:\Documents and Settings\dpothina\Desktop\pyhis.png"/>
+          <p:cNvPicPr>
+            <a:picLocks noChangeAspect="1" noChangeArrowheads="1"/>
+          </p:cNvPicPr>
+          <p:nvPr/>
+        </p:nvPicPr>
+        <p:blipFill>
+          <a:blip r:embed="rId2" cstate="print"/>
+          <a:srcRect/>
+          <a:stretch>
+            <a:fillRect/>
+          </a:stretch>
+        </p:blipFill>
+        <p:spPr bwMode="auto">
+          <a:xfrm>
+            <a:off x="2941583" y="4796604"/>
+            <a:ext cx="2795877" cy="2096907"/>
+          </a:xfrm>
+          <a:prstGeom prst="rect">
+            <a:avLst/>
+          </a:prstGeom>
+          <a:noFill/>
+        </p:spPr>
+      </p:pic>
+      <p:pic>
+        <p:nvPicPr>
+          <p:cNvPr id="8" name="Picture 7" descr="sal_IC_fromWEBSERVICES"/>
+          <p:cNvPicPr>
+            <a:picLocks noChangeAspect="1"/>
+          </p:cNvPicPr>
+          <p:nvPr/>
+        </p:nvPicPr>
+        <p:blipFill rotWithShape="1">
+          <a:blip r:embed="rId3">
+            <a:extLst>
+              <a:ext uri="{28A0092B-C50C-407E-A947-70E740481C1C}">
+                <a14:useLocalDpi xmlns:a14="http://schemas.microsoft.com/office/drawing/2010/main" val="0"/>
+              </a:ext>
+            </a:extLst>
+          </a:blip>
+          <a:srcRect l="16154" t="3432" r="17308" b="2799"/>
+          <a:stretch/>
+        </p:blipFill>
+        <p:spPr>
+          <a:xfrm>
+            <a:off x="5668545" y="2150318"/>
+            <a:ext cx="3406540" cy="4164270"/>
+          </a:xfrm>
+          <a:prstGeom prst="rect">
+            <a:avLst/>
+          </a:prstGeom>
+        </p:spPr>
+      </p:pic>
       <p:sp>
         <p:nvSpPr>
           <p:cNvPr id="2" name="Title 1"/>
@@ -17300,8 +17225,8 @@
         </p:nvSpPr>
         <p:spPr>
           <a:xfrm>
-            <a:off x="292443" y="1831596"/>
-            <a:ext cx="5422114" cy="2585323"/>
+            <a:off x="143051" y="1093249"/>
+            <a:ext cx="5422114" cy="2862323"/>
           </a:xfrm>
           <a:prstGeom prst="rect">
             <a:avLst/>
@@ -17370,6 +17295,16 @@
             </a:pPr>
             <a:r>
               <a:rPr lang="en-US" dirty="0" smtClean="0"/>
+              <a:t>Salinity initial conditions for hydrodynamic models</a:t>
+            </a:r>
+          </a:p>
+          <a:p>
+            <a:pPr marL="285750" indent="-285750">
+              <a:buFont typeface="Arial"/>
+              <a:buChar char="•"/>
+            </a:pPr>
+            <a:r>
+              <a:rPr lang="en-US" dirty="0" smtClean="0"/>
               <a:t>Statewide spatial analysis.</a:t>
             </a:r>
           </a:p>
@@ -17401,7 +17336,7 @@
           <p:nvPr/>
         </p:nvPicPr>
         <p:blipFill>
-          <a:blip r:embed="rId2" cstate="print"/>
+          <a:blip r:embed="rId4" cstate="print"/>
           <a:srcRect t="13281" r="626" b="4688"/>
           <a:stretch>
             <a:fillRect/>
@@ -17409,7 +17344,7 @@
         </p:blipFill>
         <p:spPr bwMode="auto">
           <a:xfrm>
-            <a:off x="6224813" y="1823240"/>
+            <a:off x="3143174" y="3368844"/>
             <a:ext cx="2182238" cy="1441056"/>
           </a:xfrm>
           <a:prstGeom prst="rect">
@@ -17428,32 +17363,6 @@
       </p:pic>
       <p:pic>
         <p:nvPicPr>
-          <p:cNvPr id="5" name="Picture 2" descr="C:\Documents and Settings\dpothina\Desktop\pyhis.png"/>
-          <p:cNvPicPr>
-            <a:picLocks noChangeAspect="1" noChangeArrowheads="1"/>
-          </p:cNvPicPr>
-          <p:nvPr/>
-        </p:nvPicPr>
-        <p:blipFill>
-          <a:blip r:embed="rId3" cstate="print"/>
-          <a:srcRect/>
-          <a:stretch>
-            <a:fillRect/>
-          </a:stretch>
-        </p:blipFill>
-        <p:spPr bwMode="auto">
-          <a:xfrm>
-            <a:off x="292443" y="4542728"/>
-            <a:ext cx="2699386" cy="2024539"/>
-          </a:xfrm>
-          <a:prstGeom prst="rect">
-            <a:avLst/>
-          </a:prstGeom>
-          <a:noFill/>
-        </p:spPr>
-      </p:pic>
-      <p:pic>
-        <p:nvPicPr>
           <p:cNvPr id="7" name="Picture 6" descr="brazos_salinity_post20090101.png"/>
           <p:cNvPicPr>
             <a:picLocks noChangeAspect="1"/>
@@ -17461,7 +17370,7 @@
           <p:nvPr/>
         </p:nvPicPr>
         <p:blipFill>
-          <a:blip r:embed="rId4">
+          <a:blip r:embed="rId5">
             <a:extLst>
               <a:ext uri="{28A0092B-C50C-407E-A947-70E740481C1C}">
                 <a14:useLocalDpi xmlns:a14="http://schemas.microsoft.com/office/drawing/2010/main" val="0"/>
@@ -17474,7 +17383,7 @@
         </p:blipFill>
         <p:spPr>
           <a:xfrm>
-            <a:off x="5781916" y="4009111"/>
+            <a:off x="71294" y="4658774"/>
             <a:ext cx="2875358" cy="2199226"/>
           </a:xfrm>
           <a:prstGeom prst="rect">
@@ -17551,7 +17460,7 @@
         <p:spPr>
           <a:xfrm>
             <a:off x="1403716" y="2222635"/>
-            <a:ext cx="6199133" cy="1477328"/>
+            <a:ext cx="6519734" cy="369332"/>
           </a:xfrm>
           <a:prstGeom prst="rect">
             <a:avLst/>
@@ -17569,38 +17478,32 @@
               <a:buChar char="•"/>
             </a:pPr>
             <a:r>
-              <a:rPr lang="en-US" dirty="0" smtClean="0"/>
-              <a:t>Basic – Single Service</a:t>
-            </a:r>
-          </a:p>
-          <a:p>
-            <a:pPr marL="285750" indent="-285750">
-              <a:buFont typeface="Arial"/>
-              <a:buChar char="•"/>
-            </a:pPr>
-            <a:endParaRPr lang="en-US" dirty="0" smtClean="0"/>
-          </a:p>
-          <a:p>
-            <a:pPr marL="285750" indent="-285750">
-              <a:buFont typeface="Arial"/>
-              <a:buChar char="•"/>
-            </a:pPr>
-            <a:r>
-              <a:rPr lang="en-US" dirty="0" smtClean="0"/>
-              <a:t>Intermediate – Get single parameter from multiple services</a:t>
-            </a:r>
-          </a:p>
-          <a:p>
-            <a:endParaRPr lang="en-US" dirty="0" smtClean="0"/>
-          </a:p>
-          <a:p>
-            <a:pPr marL="285750" indent="-285750">
-              <a:buFont typeface="Arial"/>
-              <a:buChar char="•"/>
-            </a:pPr>
-            <a:r>
-              <a:rPr lang="en-US" dirty="0" smtClean="0"/>
-              <a:t>Advanced – Build a script to ??? </a:t>
+              <a:rPr lang="en-US" dirty="0"/>
+              <a:t>Follow along at http://</a:t>
+            </a:r>
+            <a:r>
+              <a:rPr lang="en-US" dirty="0" err="1"/>
+              <a:t>packages.python.org</a:t>
+            </a:r>
+            <a:r>
+              <a:rPr lang="en-US" dirty="0"/>
+              <a:t>/</a:t>
+            </a:r>
+            <a:r>
+              <a:rPr lang="en-US" dirty="0" err="1"/>
+              <a:t>pyhis</a:t>
+            </a:r>
+            <a:r>
+              <a:rPr lang="en-US" dirty="0"/>
+              <a:t>/</a:t>
+            </a:r>
+            <a:r>
+              <a:rPr lang="en-US" dirty="0" err="1"/>
+              <a:t>tutorial.html</a:t>
+            </a:r>
+            <a:r>
+              <a:rPr lang="en-US" dirty="0"/>
+              <a:t> </a:t>
             </a:r>
             <a:endParaRPr lang="en-US" dirty="0"/>
           </a:p>
@@ -17675,7 +17578,7 @@
         <p:spPr>
           <a:xfrm>
             <a:off x="1512338" y="2765761"/>
-            <a:ext cx="5929828" cy="2031325"/>
+            <a:ext cx="5929828" cy="2308324"/>
           </a:xfrm>
           <a:prstGeom prst="rect">
             <a:avLst/>
@@ -17743,6 +17646,8 @@
               <a:rPr lang="en-US" dirty="0" smtClean="0"/>
               <a:t>Bug fixes</a:t>
             </a:r>
+          </a:p>
+          <a:p>
             <a:endParaRPr lang="en-US" dirty="0"/>
           </a:p>
         </p:txBody>
